--- a/Presentation.pptx
+++ b/Presentation.pptx
@@ -5,7 +5,7 @@
     <p:sldMasterId id="2147483689" r:id="rId1"/>
   </p:sldMasterIdLst>
   <p:notesMasterIdLst>
-    <p:notesMasterId r:id="rId19"/>
+    <p:notesMasterId r:id="rId24"/>
   </p:notesMasterIdLst>
   <p:sldIdLst>
     <p:sldId id="256" r:id="rId2"/>
@@ -18,13 +18,18 @@
     <p:sldId id="263" r:id="rId9"/>
     <p:sldId id="265" r:id="rId10"/>
     <p:sldId id="266" r:id="rId11"/>
-    <p:sldId id="267" r:id="rId12"/>
-    <p:sldId id="269" r:id="rId13"/>
-    <p:sldId id="270" r:id="rId14"/>
-    <p:sldId id="268" r:id="rId15"/>
-    <p:sldId id="271" r:id="rId16"/>
-    <p:sldId id="272" r:id="rId17"/>
-    <p:sldId id="264" r:id="rId18"/>
+    <p:sldId id="273" r:id="rId12"/>
+    <p:sldId id="274" r:id="rId13"/>
+    <p:sldId id="267" r:id="rId14"/>
+    <p:sldId id="275" r:id="rId15"/>
+    <p:sldId id="269" r:id="rId16"/>
+    <p:sldId id="276" r:id="rId17"/>
+    <p:sldId id="277" r:id="rId18"/>
+    <p:sldId id="278" r:id="rId19"/>
+    <p:sldId id="270" r:id="rId20"/>
+    <p:sldId id="280" r:id="rId21"/>
+    <p:sldId id="264" r:id="rId22"/>
+    <p:sldId id="279" r:id="rId23"/>
   </p:sldIdLst>
   <p:sldSz cx="12192000" cy="6858000"/>
   <p:notesSz cx="6858000" cy="9144000"/>
@@ -213,7 +218,7 @@
           <a:p>
             <a:fld id="{D400B13D-EE57-48E9-99A1-CFE6CF470ED9}" type="datetimeFigureOut">
               <a:rPr lang="en-US" smtClean="0"/>
-              <a:t>6/19/2022</a:t>
+              <a:t>6/20/2022</a:t>
             </a:fld>
             <a:endParaRPr lang="en-US"/>
           </a:p>
@@ -903,7 +908,7 @@
           <a:p>
             <a:fld id="{28859DA4-DB3F-4768-A656-A65B6B656324}" type="datetime1">
               <a:rPr lang="en-US" smtClean="0"/>
-              <a:t>6/19/2022</a:t>
+              <a:t>6/20/2022</a:t>
             </a:fld>
             <a:endParaRPr lang="en-US"/>
           </a:p>
@@ -1101,7 +1106,7 @@
           <a:p>
             <a:fld id="{CBA08CD0-C821-4F4F-9FFA-232B9AEE30B0}" type="datetime1">
               <a:rPr lang="en-US" smtClean="0"/>
-              <a:t>6/19/2022</a:t>
+              <a:t>6/20/2022</a:t>
             </a:fld>
             <a:endParaRPr lang="en-US"/>
           </a:p>
@@ -1309,7 +1314,7 @@
           <a:p>
             <a:fld id="{81DEE415-8716-4EC9-A804-B38BF81237E9}" type="datetime1">
               <a:rPr lang="en-US" smtClean="0"/>
-              <a:t>6/19/2022</a:t>
+              <a:t>6/20/2022</a:t>
             </a:fld>
             <a:endParaRPr lang="en-US"/>
           </a:p>
@@ -1507,7 +1512,7 @@
           <a:p>
             <a:fld id="{CABBB983-8036-4B7C-A1DD-EF893C8345AB}" type="datetime1">
               <a:rPr lang="en-US" smtClean="0"/>
-              <a:t>6/19/2022</a:t>
+              <a:t>6/20/2022</a:t>
             </a:fld>
             <a:endParaRPr lang="en-US"/>
           </a:p>
@@ -1782,7 +1787,7 @@
           <a:p>
             <a:fld id="{F84CFDCB-7E7F-4A1C-BD79-31155C5B9F07}" type="datetime1">
               <a:rPr lang="en-US" smtClean="0"/>
-              <a:t>6/19/2022</a:t>
+              <a:t>6/20/2022</a:t>
             </a:fld>
             <a:endParaRPr lang="en-US"/>
           </a:p>
@@ -2047,7 +2052,7 @@
           <a:p>
             <a:fld id="{F8538643-F378-4269-97FB-49D75DE4E253}" type="datetime1">
               <a:rPr lang="en-US" smtClean="0"/>
-              <a:t>6/19/2022</a:t>
+              <a:t>6/20/2022</a:t>
             </a:fld>
             <a:endParaRPr lang="en-US"/>
           </a:p>
@@ -2459,7 +2464,7 @@
           <a:p>
             <a:fld id="{E0710BC8-8F8B-4E82-844D-F2FBDAE9C7CA}" type="datetime1">
               <a:rPr lang="en-US" smtClean="0"/>
-              <a:t>6/19/2022</a:t>
+              <a:t>6/20/2022</a:t>
             </a:fld>
             <a:endParaRPr lang="en-US"/>
           </a:p>
@@ -2600,7 +2605,7 @@
           <a:p>
             <a:fld id="{B8F53648-6ED5-4AB3-98C2-41711976C00B}" type="datetime1">
               <a:rPr lang="en-US" smtClean="0"/>
-              <a:t>6/19/2022</a:t>
+              <a:t>6/20/2022</a:t>
             </a:fld>
             <a:endParaRPr lang="en-US"/>
           </a:p>
@@ -2713,7 +2718,7 @@
           <a:p>
             <a:fld id="{A95AAD7D-D133-44D8-AD8A-C2A71E141708}" type="datetime1">
               <a:rPr lang="en-US" smtClean="0"/>
-              <a:t>6/19/2022</a:t>
+              <a:t>6/20/2022</a:t>
             </a:fld>
             <a:endParaRPr lang="en-US"/>
           </a:p>
@@ -3024,7 +3029,7 @@
           <a:p>
             <a:fld id="{7D405F00-DE2C-43EF-BA32-8D7E9A0E65E9}" type="datetime1">
               <a:rPr lang="en-US" smtClean="0"/>
-              <a:t>6/19/2022</a:t>
+              <a:t>6/20/2022</a:t>
             </a:fld>
             <a:endParaRPr lang="en-US"/>
           </a:p>
@@ -3312,7 +3317,7 @@
           <a:p>
             <a:fld id="{139EC959-1BD9-4CC7-B4BB-05C67C0F43AB}" type="datetime1">
               <a:rPr lang="en-US" smtClean="0"/>
-              <a:t>6/19/2022</a:t>
+              <a:t>6/20/2022</a:t>
             </a:fld>
             <a:endParaRPr lang="en-US"/>
           </a:p>
@@ -3553,7 +3558,7 @@
           <a:p>
             <a:fld id="{49D0319B-8D07-402D-81E4-020CA95A6E9A}" type="datetime1">
               <a:rPr lang="en-US" smtClean="0"/>
-              <a:t>6/19/2022</a:t>
+              <a:t>6/20/2022</a:t>
             </a:fld>
             <a:endParaRPr lang="en-US"/>
           </a:p>
@@ -4229,12 +4234,67 @@
             <p:ph idx="1"/>
           </p:nvPr>
         </p:nvSpPr>
-        <p:spPr/>
-        <p:txBody>
-          <a:bodyPr/>
-          <a:lstStyle/>
-          <a:p>
-            <a:endParaRPr lang="en-US"/>
+        <p:spPr>
+          <a:xfrm>
+            <a:off x="838201" y="1825624"/>
+            <a:ext cx="6781800" cy="4530725"/>
+          </a:xfrm>
+        </p:spPr>
+        <p:txBody>
+          <a:bodyPr>
+            <a:normAutofit fontScale="92500"/>
+          </a:bodyPr>
+          <a:lstStyle/>
+          <a:p>
+            <a:pPr marL="0" indent="0">
+              <a:buNone/>
+            </a:pPr>
+            <a:r>
+              <a:rPr lang="en-US" b="1" dirty="0"/>
+              <a:t>a) Capacity:</a:t>
+            </a:r>
+            <a:r>
+              <a:rPr lang="en-US" dirty="0"/>
+              <a:t> Refers to the number of bits encoded by the watermark. Despite the fact that a large payload is good for watermarking algorithms, it conflicts directly with robustness. </a:t>
+            </a:r>
+          </a:p>
+          <a:p>
+            <a:pPr marL="0" indent="0">
+              <a:buNone/>
+            </a:pPr>
+            <a:endParaRPr lang="en-US" dirty="0"/>
+          </a:p>
+          <a:p>
+            <a:pPr marL="0" indent="0">
+              <a:buNone/>
+            </a:pPr>
+            <a:r>
+              <a:rPr lang="en-US" b="1" dirty="0"/>
+              <a:t>b) Fidelity: </a:t>
+            </a:r>
+            <a:r>
+              <a:rPr lang="en-US" dirty="0"/>
+              <a:t>Models containing watermarks should receive performance levels similar to those of models trained without watermarks. </a:t>
+            </a:r>
+          </a:p>
+          <a:p>
+            <a:pPr marL="0" indent="0">
+              <a:buNone/>
+            </a:pPr>
+            <a:endParaRPr lang="en-US" dirty="0"/>
+          </a:p>
+          <a:p>
+            <a:pPr marL="0" indent="0">
+              <a:buNone/>
+            </a:pPr>
+            <a:r>
+              <a:rPr lang="en-US" b="1" dirty="0"/>
+              <a:t>c) Robustness: </a:t>
+            </a:r>
+            <a:r>
+              <a:rPr lang="en-US" dirty="0"/>
+              <a:t>Ability to extract the watermark correctly even when it has been modified</a:t>
+            </a:r>
           </a:p>
         </p:txBody>
       </p:sp>
@@ -4267,6 +4327,42 @@
           </a:p>
         </p:txBody>
       </p:sp>
+      <p:pic>
+        <p:nvPicPr>
+          <p:cNvPr id="6" name="Picture 5">
+            <a:extLst>
+              <a:ext uri="{FF2B5EF4-FFF2-40B4-BE49-F238E27FC236}">
+                <a16:creationId xmlns:a16="http://schemas.microsoft.com/office/drawing/2014/main" id="{FF33899A-AF85-F88C-EEAC-E4850A820611}"/>
+              </a:ext>
+            </a:extLst>
+          </p:cNvPr>
+          <p:cNvPicPr>
+            <a:picLocks noChangeAspect="1"/>
+          </p:cNvPicPr>
+          <p:nvPr/>
+        </p:nvPicPr>
+        <p:blipFill>
+          <a:blip r:embed="rId2">
+            <a:extLst>
+              <a:ext uri="{28A0092B-C50C-407E-A947-70E740481C1C}">
+                <a14:useLocalDpi xmlns:a14="http://schemas.microsoft.com/office/drawing/2010/main" val="0"/>
+              </a:ext>
+            </a:extLst>
+          </a:blip>
+          <a:stretch>
+            <a:fillRect/>
+          </a:stretch>
+        </p:blipFill>
+        <p:spPr>
+          <a:xfrm>
+            <a:off x="7421222" y="2606219"/>
+            <a:ext cx="4770778" cy="3180518"/>
+          </a:xfrm>
+          <a:prstGeom prst="rect">
+            <a:avLst/>
+          </a:prstGeom>
+        </p:spPr>
+      </p:pic>
     </p:spTree>
     <p:extLst>
       <p:ext uri="{BB962C8B-B14F-4D97-AF65-F5344CB8AC3E}">
@@ -4299,66 +4395,49 @@
       </p:grpSpPr>
       <p:sp>
         <p:nvSpPr>
-          <p:cNvPr id="2" name="Title 1">
-            <a:extLst>
-              <a:ext uri="{FF2B5EF4-FFF2-40B4-BE49-F238E27FC236}">
-                <a16:creationId xmlns:a16="http://schemas.microsoft.com/office/drawing/2014/main" id="{48C30F5E-8B33-04E3-1E6F-753843D5E31C}"/>
-              </a:ext>
-            </a:extLst>
-          </p:cNvPr>
-          <p:cNvSpPr>
-            <a:spLocks noGrp="1"/>
-          </p:cNvSpPr>
-          <p:nvPr>
-            <p:ph type="title"/>
-          </p:nvPr>
-        </p:nvSpPr>
-        <p:spPr/>
-        <p:txBody>
-          <a:bodyPr/>
-          <a:lstStyle/>
-          <a:p>
+          <p:cNvPr id="3" name="Content Placeholder 2">
+            <a:extLst>
+              <a:ext uri="{FF2B5EF4-FFF2-40B4-BE49-F238E27FC236}">
+                <a16:creationId xmlns:a16="http://schemas.microsoft.com/office/drawing/2014/main" id="{DB949C38-805A-F21F-D418-4C29F1A2353C}"/>
+              </a:ext>
+            </a:extLst>
+          </p:cNvPr>
+          <p:cNvSpPr>
+            <a:spLocks noGrp="1"/>
+          </p:cNvSpPr>
+          <p:nvPr>
+            <p:ph idx="1"/>
+          </p:nvPr>
+        </p:nvSpPr>
+        <p:spPr>
+          <a:xfrm>
+            <a:off x="838200" y="1786618"/>
+            <a:ext cx="10515600" cy="4934857"/>
+          </a:xfrm>
+        </p:spPr>
+        <p:txBody>
+          <a:bodyPr/>
+          <a:lstStyle/>
+          <a:p>
+            <a:r>
+              <a:rPr lang="en-US" u="sng" dirty="0"/>
+              <a:t>Overall architecture:</a:t>
+            </a:r>
+          </a:p>
+          <a:p>
+            <a:pPr marL="0" indent="0">
+              <a:buNone/>
+            </a:pPr>
+            <a:endParaRPr lang="en-US" dirty="0"/>
+          </a:p>
+          <a:p>
+            <a:pPr marL="0" indent="0">
+              <a:buNone/>
+            </a:pPr>
             <a:r>
               <a:rPr lang="en-US" dirty="0"/>
-              <a:t>Development process:</a:t>
-            </a:r>
-          </a:p>
-        </p:txBody>
-      </p:sp>
-      <p:sp>
-        <p:nvSpPr>
-          <p:cNvPr id="3" name="Content Placeholder 2">
-            <a:extLst>
-              <a:ext uri="{FF2B5EF4-FFF2-40B4-BE49-F238E27FC236}">
-                <a16:creationId xmlns:a16="http://schemas.microsoft.com/office/drawing/2014/main" id="{DB61DF3D-2011-12DD-BF6C-A3FBF5C75B42}"/>
-              </a:ext>
-            </a:extLst>
-          </p:cNvPr>
-          <p:cNvSpPr>
-            <a:spLocks noGrp="1"/>
-          </p:cNvSpPr>
-          <p:nvPr>
-            <p:ph idx="1"/>
-          </p:nvPr>
-        </p:nvSpPr>
-        <p:spPr/>
-        <p:txBody>
-          <a:bodyPr/>
-          <a:lstStyle/>
-          <a:p>
-            <a:pPr marL="0" indent="0">
-              <a:buNone/>
-            </a:pPr>
-            <a:r>
-              <a:rPr lang="en-US" dirty="0"/>
-              <a:t>1) Embedding :</a:t>
-            </a:r>
-          </a:p>
-          <a:p>
-            <a:endParaRPr lang="en-US" dirty="0"/>
-          </a:p>
-          <a:p>
-            <a:endParaRPr lang="en-US" dirty="0"/>
+              <a:t>Watermarking procedure is usually divided into two steps: embedding and verification. In the embedding process, an embedding algorithm E embeds pre-defined watermarks W into the carrier data C, which is the data to be protected. After the embedding, the embedded data (e = E(W, C)) are stored or transmitted. During the watermark verification process, a decryption algorithm D attempts to extract. </a:t>
+            </a:r>
           </a:p>
         </p:txBody>
       </p:sp>
@@ -4367,7 +4446,7 @@
           <p:cNvPr id="4" name="Slide Number Placeholder 3">
             <a:extLst>
               <a:ext uri="{FF2B5EF4-FFF2-40B4-BE49-F238E27FC236}">
-                <a16:creationId xmlns:a16="http://schemas.microsoft.com/office/drawing/2014/main" id="{A3A9A1D0-4E29-08B4-7FED-94D5B8C6C471}"/>
+                <a16:creationId xmlns:a16="http://schemas.microsoft.com/office/drawing/2014/main" id="{7D21738E-A367-E84A-DAA2-77499307C820}"/>
               </a:ext>
             </a:extLst>
           </p:cNvPr>
@@ -4391,10 +4470,43 @@
           </a:p>
         </p:txBody>
       </p:sp>
+      <p:sp>
+        <p:nvSpPr>
+          <p:cNvPr id="5" name="Title 1">
+            <a:extLst>
+              <a:ext uri="{FF2B5EF4-FFF2-40B4-BE49-F238E27FC236}">
+                <a16:creationId xmlns:a16="http://schemas.microsoft.com/office/drawing/2014/main" id="{0E30ACCC-0789-A07C-DFDC-D0742A65633F}"/>
+              </a:ext>
+            </a:extLst>
+          </p:cNvPr>
+          <p:cNvSpPr>
+            <a:spLocks noGrp="1"/>
+          </p:cNvSpPr>
+          <p:nvPr>
+            <p:ph type="title"/>
+          </p:nvPr>
+        </p:nvSpPr>
+        <p:spPr>
+          <a:xfrm>
+            <a:off x="838200" y="413657"/>
+            <a:ext cx="10515600" cy="1270000"/>
+          </a:xfrm>
+        </p:spPr>
+        <p:txBody>
+          <a:bodyPr/>
+          <a:lstStyle/>
+          <a:p>
+            <a:r>
+              <a:rPr lang="en-US" dirty="0"/>
+              <a:t>Development process:</a:t>
+            </a:r>
+          </a:p>
+        </p:txBody>
+      </p:sp>
     </p:spTree>
     <p:extLst>
       <p:ext uri="{BB962C8B-B14F-4D97-AF65-F5344CB8AC3E}">
-        <p14:creationId xmlns:p14="http://schemas.microsoft.com/office/powerpoint/2010/main" val="419125354"/>
+        <p14:creationId xmlns:p14="http://schemas.microsoft.com/office/powerpoint/2010/main" val="40467312"/>
       </p:ext>
     </p:extLst>
   </p:cSld>
@@ -4423,49 +4535,10 @@
       </p:grpSpPr>
       <p:sp>
         <p:nvSpPr>
-          <p:cNvPr id="3" name="Content Placeholder 2">
-            <a:extLst>
-              <a:ext uri="{FF2B5EF4-FFF2-40B4-BE49-F238E27FC236}">
-                <a16:creationId xmlns:a16="http://schemas.microsoft.com/office/drawing/2014/main" id="{74DC5813-D966-8AB3-D221-36192C71A8D2}"/>
-              </a:ext>
-            </a:extLst>
-          </p:cNvPr>
-          <p:cNvSpPr>
-            <a:spLocks noGrp="1"/>
-          </p:cNvSpPr>
-          <p:nvPr>
-            <p:ph idx="1"/>
-          </p:nvPr>
-        </p:nvSpPr>
-        <p:spPr>
-          <a:xfrm>
-            <a:off x="838200" y="606424"/>
-            <a:ext cx="10515600" cy="5749925"/>
-          </a:xfrm>
-        </p:spPr>
-        <p:txBody>
-          <a:bodyPr/>
-          <a:lstStyle/>
-          <a:p>
-            <a:pPr marL="0" indent="0">
-              <a:buNone/>
-            </a:pPr>
-            <a:r>
-              <a:rPr lang="en-US" dirty="0"/>
-              <a:t>2) Training:</a:t>
-            </a:r>
-          </a:p>
-          <a:p>
-            <a:endParaRPr lang="en-US" dirty="0"/>
-          </a:p>
-        </p:txBody>
-      </p:sp>
-      <p:sp>
-        <p:nvSpPr>
           <p:cNvPr id="4" name="Slide Number Placeholder 3">
             <a:extLst>
               <a:ext uri="{FF2B5EF4-FFF2-40B4-BE49-F238E27FC236}">
-                <a16:creationId xmlns:a16="http://schemas.microsoft.com/office/drawing/2014/main" id="{8245722E-499F-2662-BFB1-E28AD1BE049B}"/>
+                <a16:creationId xmlns:a16="http://schemas.microsoft.com/office/drawing/2014/main" id="{206CE677-C2C0-B614-1B29-96397EA2E508}"/>
               </a:ext>
             </a:extLst>
           </p:cNvPr>
@@ -4489,10 +4562,46 @@
           </a:p>
         </p:txBody>
       </p:sp>
+      <p:pic>
+        <p:nvPicPr>
+          <p:cNvPr id="6" name="Picture 5">
+            <a:extLst>
+              <a:ext uri="{FF2B5EF4-FFF2-40B4-BE49-F238E27FC236}">
+                <a16:creationId xmlns:a16="http://schemas.microsoft.com/office/drawing/2014/main" id="{8BD3678B-632F-3282-B347-183F9F0F4F82}"/>
+              </a:ext>
+            </a:extLst>
+          </p:cNvPr>
+          <p:cNvPicPr>
+            <a:picLocks noChangeAspect="1"/>
+          </p:cNvPicPr>
+          <p:nvPr/>
+        </p:nvPicPr>
+        <p:blipFill>
+          <a:blip r:embed="rId2">
+            <a:extLst>
+              <a:ext uri="{28A0092B-C50C-407E-A947-70E740481C1C}">
+                <a14:useLocalDpi xmlns:a14="http://schemas.microsoft.com/office/drawing/2010/main" val="0"/>
+              </a:ext>
+            </a:extLst>
+          </a:blip>
+          <a:stretch>
+            <a:fillRect/>
+          </a:stretch>
+        </p:blipFill>
+        <p:spPr>
+          <a:xfrm>
+            <a:off x="2667000" y="0"/>
+            <a:ext cx="6858000" cy="6858000"/>
+          </a:xfrm>
+          <a:prstGeom prst="rect">
+            <a:avLst/>
+          </a:prstGeom>
+        </p:spPr>
+      </p:pic>
     </p:spTree>
     <p:extLst>
       <p:ext uri="{BB962C8B-B14F-4D97-AF65-F5344CB8AC3E}">
-        <p14:creationId xmlns:p14="http://schemas.microsoft.com/office/powerpoint/2010/main" val="1980711317"/>
+        <p14:creationId xmlns:p14="http://schemas.microsoft.com/office/powerpoint/2010/main" val="3367362934"/>
       </p:ext>
     </p:extLst>
   </p:cSld>
@@ -4524,7 +4633,7 @@
           <p:cNvPr id="3" name="Content Placeholder 2">
             <a:extLst>
               <a:ext uri="{FF2B5EF4-FFF2-40B4-BE49-F238E27FC236}">
-                <a16:creationId xmlns:a16="http://schemas.microsoft.com/office/drawing/2014/main" id="{1652BD91-29A5-C80B-3BE1-818B30AE306D}"/>
+                <a16:creationId xmlns:a16="http://schemas.microsoft.com/office/drawing/2014/main" id="{DB61DF3D-2011-12DD-BF6C-A3FBF5C75B42}"/>
               </a:ext>
             </a:extLst>
           </p:cNvPr>
@@ -4537,8 +4646,8 @@
         </p:nvSpPr>
         <p:spPr>
           <a:xfrm>
-            <a:off x="722085" y="519338"/>
-            <a:ext cx="10515600" cy="5837011"/>
+            <a:off x="838200" y="1253331"/>
+            <a:ext cx="10515600" cy="4351338"/>
           </a:xfrm>
         </p:spPr>
         <p:txBody>
@@ -4550,8 +4659,65 @@
             </a:pPr>
             <a:r>
               <a:rPr lang="en-US" dirty="0"/>
-              <a:t>3) Extraction:</a:t>
-            </a:r>
+              <a:t>1) Embedding :</a:t>
+            </a:r>
+          </a:p>
+          <a:p>
+            <a:pPr marL="0" indent="0">
+              <a:buNone/>
+            </a:pPr>
+            <a:endParaRPr lang="en-US" dirty="0"/>
+          </a:p>
+          <a:p>
+            <a:pPr marL="0" indent="0">
+              <a:buNone/>
+            </a:pPr>
+            <a:r>
+              <a:rPr lang="en-US" dirty="0"/>
+              <a:t>Let us assume that an original image </a:t>
+            </a:r>
+            <a:r>
+              <a:rPr lang="en-US" b="1" dirty="0"/>
+              <a:t>O</a:t>
+            </a:r>
+            <a:r>
+              <a:rPr lang="en-US" dirty="0"/>
+              <a:t> has a width of OW and a height of OH and the watermark </a:t>
+            </a:r>
+            <a:r>
+              <a:rPr lang="en-US" b="1" dirty="0"/>
+              <a:t>W</a:t>
+            </a:r>
+            <a:r>
+              <a:rPr lang="en-US" dirty="0"/>
+              <a:t> is which is basically a 64x64 frame filled with text that is going to be overlapped on O with a predefined opacity </a:t>
+            </a:r>
+            <a:r>
+              <a:rPr lang="en-US" b="1" dirty="0"/>
+              <a:t>α</a:t>
+            </a:r>
+            <a:r>
+              <a:rPr lang="en-US" dirty="0"/>
+              <a:t> which varies between (0.1 to 1), and with all that being performed a marked image M is going to be produced as given in Eq. 1 </a:t>
+            </a:r>
+          </a:p>
+          <a:p>
+            <a:pPr marL="0" indent="0">
+              <a:buNone/>
+            </a:pPr>
+            <a:endParaRPr lang="en-US" dirty="0"/>
+          </a:p>
+          <a:p>
+            <a:pPr marL="0" indent="0">
+              <a:buNone/>
+            </a:pPr>
+            <a:r>
+              <a:rPr lang="en-US" dirty="0"/>
+              <a:t>			       m = O + αW ……………. (1)</a:t>
+            </a:r>
+          </a:p>
+          <a:p>
+            <a:endParaRPr lang="en-US" dirty="0"/>
           </a:p>
         </p:txBody>
       </p:sp>
@@ -4560,7 +4726,7 @@
           <p:cNvPr id="4" name="Slide Number Placeholder 3">
             <a:extLst>
               <a:ext uri="{FF2B5EF4-FFF2-40B4-BE49-F238E27FC236}">
-                <a16:creationId xmlns:a16="http://schemas.microsoft.com/office/drawing/2014/main" id="{93370E1F-2335-F9E5-D4C7-CE012E9B389B}"/>
+                <a16:creationId xmlns:a16="http://schemas.microsoft.com/office/drawing/2014/main" id="{A3A9A1D0-4E29-08B4-7FED-94D5B8C6C471}"/>
               </a:ext>
             </a:extLst>
           </p:cNvPr>
@@ -4587,7 +4753,7 @@
     </p:spTree>
     <p:extLst>
       <p:ext uri="{BB962C8B-B14F-4D97-AF65-F5344CB8AC3E}">
-        <p14:creationId xmlns:p14="http://schemas.microsoft.com/office/powerpoint/2010/main" val="3027162562"/>
+        <p14:creationId xmlns:p14="http://schemas.microsoft.com/office/powerpoint/2010/main" val="419125354"/>
       </p:ext>
     </p:extLst>
   </p:cSld>
@@ -4616,69 +4782,10 @@
       </p:grpSpPr>
       <p:sp>
         <p:nvSpPr>
-          <p:cNvPr id="2" name="Title 1">
-            <a:extLst>
-              <a:ext uri="{FF2B5EF4-FFF2-40B4-BE49-F238E27FC236}">
-                <a16:creationId xmlns:a16="http://schemas.microsoft.com/office/drawing/2014/main" id="{53859A24-DCA5-38A4-E0E1-E56EF7E8A39D}"/>
-              </a:ext>
-            </a:extLst>
-          </p:cNvPr>
-          <p:cNvSpPr>
-            <a:spLocks noGrp="1"/>
-          </p:cNvSpPr>
-          <p:nvPr>
-            <p:ph type="title"/>
-          </p:nvPr>
-        </p:nvSpPr>
-        <p:spPr/>
-        <p:txBody>
-          <a:bodyPr/>
-          <a:lstStyle/>
-          <a:p>
-            <a:r>
-              <a:rPr lang="en-US" dirty="0"/>
-              <a:t>Experiments:</a:t>
-            </a:r>
-          </a:p>
-        </p:txBody>
-      </p:sp>
-      <p:sp>
-        <p:nvSpPr>
-          <p:cNvPr id="3" name="Content Placeholder 2">
-            <a:extLst>
-              <a:ext uri="{FF2B5EF4-FFF2-40B4-BE49-F238E27FC236}">
-                <a16:creationId xmlns:a16="http://schemas.microsoft.com/office/drawing/2014/main" id="{A9ED2123-F76E-6101-847C-F9EEBDB985C9}"/>
-              </a:ext>
-            </a:extLst>
-          </p:cNvPr>
-          <p:cNvSpPr>
-            <a:spLocks noGrp="1"/>
-          </p:cNvSpPr>
-          <p:nvPr>
-            <p:ph idx="1"/>
-          </p:nvPr>
-        </p:nvSpPr>
-        <p:spPr/>
-        <p:txBody>
-          <a:bodyPr/>
-          <a:lstStyle/>
-          <a:p>
-            <a:pPr marL="0" indent="0">
-              <a:buNone/>
-            </a:pPr>
-            <a:r>
-              <a:rPr lang="en-US" dirty="0"/>
-              <a:t>1) Compression:</a:t>
-            </a:r>
-          </a:p>
-        </p:txBody>
-      </p:sp>
-      <p:sp>
-        <p:nvSpPr>
           <p:cNvPr id="4" name="Slide Number Placeholder 3">
             <a:extLst>
               <a:ext uri="{FF2B5EF4-FFF2-40B4-BE49-F238E27FC236}">
-                <a16:creationId xmlns:a16="http://schemas.microsoft.com/office/drawing/2014/main" id="{4BDD5C8F-35B7-4E7E-0FE1-D3860B16D3BF}"/>
+                <a16:creationId xmlns:a16="http://schemas.microsoft.com/office/drawing/2014/main" id="{7B5709F6-BA93-7AC6-FCCA-0EE3922CD0DE}"/>
               </a:ext>
             </a:extLst>
           </p:cNvPr>
@@ -4702,10 +4809,46 @@
           </a:p>
         </p:txBody>
       </p:sp>
+      <p:pic>
+        <p:nvPicPr>
+          <p:cNvPr id="5" name="Picture 4">
+            <a:extLst>
+              <a:ext uri="{FF2B5EF4-FFF2-40B4-BE49-F238E27FC236}">
+                <a16:creationId xmlns:a16="http://schemas.microsoft.com/office/drawing/2014/main" id="{E8179CD5-DC4E-13DB-799E-5E6B27162FCA}"/>
+              </a:ext>
+            </a:extLst>
+          </p:cNvPr>
+          <p:cNvPicPr>
+            <a:picLocks noChangeAspect="1"/>
+          </p:cNvPicPr>
+          <p:nvPr/>
+        </p:nvPicPr>
+        <p:blipFill>
+          <a:blip r:embed="rId2">
+            <a:extLst>
+              <a:ext uri="{28A0092B-C50C-407E-A947-70E740481C1C}">
+                <a14:useLocalDpi xmlns:a14="http://schemas.microsoft.com/office/drawing/2010/main" val="0"/>
+              </a:ext>
+            </a:extLst>
+          </a:blip>
+          <a:stretch>
+            <a:fillRect/>
+          </a:stretch>
+        </p:blipFill>
+        <p:spPr>
+          <a:xfrm>
+            <a:off x="972860" y="547234"/>
+            <a:ext cx="10246279" cy="5763532"/>
+          </a:xfrm>
+          <a:prstGeom prst="rect">
+            <a:avLst/>
+          </a:prstGeom>
+        </p:spPr>
+      </p:pic>
     </p:spTree>
     <p:extLst>
       <p:ext uri="{BB962C8B-B14F-4D97-AF65-F5344CB8AC3E}">
-        <p14:creationId xmlns:p14="http://schemas.microsoft.com/office/powerpoint/2010/main" val="2295130726"/>
+        <p14:creationId xmlns:p14="http://schemas.microsoft.com/office/powerpoint/2010/main" val="727224116"/>
       </p:ext>
     </p:extLst>
   </p:cSld>
@@ -4737,7 +4880,7 @@
           <p:cNvPr id="3" name="Content Placeholder 2">
             <a:extLst>
               <a:ext uri="{FF2B5EF4-FFF2-40B4-BE49-F238E27FC236}">
-                <a16:creationId xmlns:a16="http://schemas.microsoft.com/office/drawing/2014/main" id="{2BB569EF-3550-DE3F-D990-0AB5B6FF1B21}"/>
+                <a16:creationId xmlns:a16="http://schemas.microsoft.com/office/drawing/2014/main" id="{74DC5813-D966-8AB3-D221-36192C71A8D2}"/>
               </a:ext>
             </a:extLst>
           </p:cNvPr>
@@ -4750,8 +4893,8 @@
         </p:nvSpPr>
         <p:spPr>
           <a:xfrm>
-            <a:off x="838200" y="562882"/>
-            <a:ext cx="10515600" cy="5939518"/>
+            <a:off x="838200" y="606424"/>
+            <a:ext cx="10515600" cy="5749925"/>
           </a:xfrm>
         </p:spPr>
         <p:txBody>
@@ -4763,8 +4906,65 @@
             </a:pPr>
             <a:r>
               <a:rPr lang="en-US" dirty="0"/>
-              <a:t>2) Brightness:</a:t>
-            </a:r>
+              <a:t>2) Training:</a:t>
+            </a:r>
+          </a:p>
+          <a:p>
+            <a:pPr marL="0" indent="0">
+              <a:buNone/>
+            </a:pPr>
+            <a:r>
+              <a:rPr lang="en-US" dirty="0"/>
+              <a:t>In this case we’re using three different watermarks, basically images that are filled with the following texts “Wadie Mendja”, “Zeghamri Salah” and “Daham A” which they look like this: </a:t>
+            </a:r>
+          </a:p>
+          <a:p>
+            <a:pPr marL="0" indent="0">
+              <a:buNone/>
+            </a:pPr>
+            <a:endParaRPr lang="en-US" dirty="0"/>
+          </a:p>
+          <a:p>
+            <a:pPr marL="0" indent="0">
+              <a:buNone/>
+            </a:pPr>
+            <a:endParaRPr lang="en-US" dirty="0"/>
+          </a:p>
+          <a:p>
+            <a:pPr marL="0" indent="0">
+              <a:buNone/>
+            </a:pPr>
+            <a:endParaRPr lang="en-US" dirty="0"/>
+          </a:p>
+          <a:p>
+            <a:pPr marL="0" indent="0">
+              <a:buNone/>
+            </a:pPr>
+            <a:endParaRPr lang="en-US" dirty="0"/>
+          </a:p>
+          <a:p>
+            <a:pPr marL="0" indent="0">
+              <a:buNone/>
+            </a:pPr>
+            <a:endParaRPr lang="en-US" dirty="0"/>
+          </a:p>
+          <a:p>
+            <a:pPr marL="0" indent="0">
+              <a:buNone/>
+            </a:pPr>
+            <a:r>
+              <a:rPr lang="en-US" dirty="0"/>
+              <a:t>A dataset is generated by creating different versions of the above watermarks by changing the text position, size, background color and its opacity (strength α).</a:t>
+            </a:r>
+          </a:p>
+          <a:p>
+            <a:pPr marL="0" indent="0">
+              <a:buNone/>
+            </a:pPr>
+            <a:endParaRPr lang="en-US" dirty="0"/>
+          </a:p>
+          <a:p>
+            <a:endParaRPr lang="en-US" dirty="0"/>
           </a:p>
         </p:txBody>
       </p:sp>
@@ -4773,7 +4973,7 @@
           <p:cNvPr id="4" name="Slide Number Placeholder 3">
             <a:extLst>
               <a:ext uri="{FF2B5EF4-FFF2-40B4-BE49-F238E27FC236}">
-                <a16:creationId xmlns:a16="http://schemas.microsoft.com/office/drawing/2014/main" id="{97FDE08A-1400-EFC7-A66A-CED481292E16}"/>
+                <a16:creationId xmlns:a16="http://schemas.microsoft.com/office/drawing/2014/main" id="{8245722E-499F-2662-BFB1-E28AD1BE049B}"/>
               </a:ext>
             </a:extLst>
           </p:cNvPr>
@@ -4797,10 +4997,118 @@
           </a:p>
         </p:txBody>
       </p:sp>
+      <p:pic>
+        <p:nvPicPr>
+          <p:cNvPr id="5" name="Picture 4">
+            <a:extLst>
+              <a:ext uri="{FF2B5EF4-FFF2-40B4-BE49-F238E27FC236}">
+                <a16:creationId xmlns:a16="http://schemas.microsoft.com/office/drawing/2014/main" id="{CA28E53A-D333-4498-7398-48CA9458B031}"/>
+              </a:ext>
+            </a:extLst>
+          </p:cNvPr>
+          <p:cNvPicPr>
+            <a:picLocks noChangeAspect="1"/>
+          </p:cNvPicPr>
+          <p:nvPr/>
+        </p:nvPicPr>
+        <p:blipFill>
+          <a:blip r:embed="rId2">
+            <a:extLst>
+              <a:ext uri="{28A0092B-C50C-407E-A947-70E740481C1C}">
+                <a14:useLocalDpi xmlns:a14="http://schemas.microsoft.com/office/drawing/2010/main" val="0"/>
+              </a:ext>
+            </a:extLst>
+          </a:blip>
+          <a:stretch>
+            <a:fillRect/>
+          </a:stretch>
+        </p:blipFill>
+        <p:spPr>
+          <a:xfrm>
+            <a:off x="1977880" y="2714371"/>
+            <a:ext cx="1937523" cy="1937523"/>
+          </a:xfrm>
+          <a:prstGeom prst="rect">
+            <a:avLst/>
+          </a:prstGeom>
+        </p:spPr>
+      </p:pic>
+      <p:pic>
+        <p:nvPicPr>
+          <p:cNvPr id="7" name="Picture 6">
+            <a:extLst>
+              <a:ext uri="{FF2B5EF4-FFF2-40B4-BE49-F238E27FC236}">
+                <a16:creationId xmlns:a16="http://schemas.microsoft.com/office/drawing/2014/main" id="{7EB973A4-1AA7-12B9-BF4B-8DF5C257E55D}"/>
+              </a:ext>
+            </a:extLst>
+          </p:cNvPr>
+          <p:cNvPicPr>
+            <a:picLocks noChangeAspect="1"/>
+          </p:cNvPicPr>
+          <p:nvPr/>
+        </p:nvPicPr>
+        <p:blipFill>
+          <a:blip r:embed="rId3">
+            <a:extLst>
+              <a:ext uri="{28A0092B-C50C-407E-A947-70E740481C1C}">
+                <a14:useLocalDpi xmlns:a14="http://schemas.microsoft.com/office/drawing/2010/main" val="0"/>
+              </a:ext>
+            </a:extLst>
+          </a:blip>
+          <a:stretch>
+            <a:fillRect/>
+          </a:stretch>
+        </p:blipFill>
+        <p:spPr>
+          <a:xfrm>
+            <a:off x="5127238" y="2714370"/>
+            <a:ext cx="1937523" cy="1937523"/>
+          </a:xfrm>
+          <a:prstGeom prst="rect">
+            <a:avLst/>
+          </a:prstGeom>
+        </p:spPr>
+      </p:pic>
+      <p:pic>
+        <p:nvPicPr>
+          <p:cNvPr id="9" name="Picture 8">
+            <a:extLst>
+              <a:ext uri="{FF2B5EF4-FFF2-40B4-BE49-F238E27FC236}">
+                <a16:creationId xmlns:a16="http://schemas.microsoft.com/office/drawing/2014/main" id="{3A9B3547-C843-878E-5515-E5FD0CF39B2F}"/>
+              </a:ext>
+            </a:extLst>
+          </p:cNvPr>
+          <p:cNvPicPr>
+            <a:picLocks noChangeAspect="1"/>
+          </p:cNvPicPr>
+          <p:nvPr/>
+        </p:nvPicPr>
+        <p:blipFill>
+          <a:blip r:embed="rId4">
+            <a:extLst>
+              <a:ext uri="{28A0092B-C50C-407E-A947-70E740481C1C}">
+                <a14:useLocalDpi xmlns:a14="http://schemas.microsoft.com/office/drawing/2010/main" val="0"/>
+              </a:ext>
+            </a:extLst>
+          </a:blip>
+          <a:stretch>
+            <a:fillRect/>
+          </a:stretch>
+        </p:blipFill>
+        <p:spPr>
+          <a:xfrm>
+            <a:off x="8276596" y="2714369"/>
+            <a:ext cx="1937523" cy="1937523"/>
+          </a:xfrm>
+          <a:prstGeom prst="rect">
+            <a:avLst/>
+          </a:prstGeom>
+        </p:spPr>
+      </p:pic>
     </p:spTree>
     <p:extLst>
       <p:ext uri="{BB962C8B-B14F-4D97-AF65-F5344CB8AC3E}">
-        <p14:creationId xmlns:p14="http://schemas.microsoft.com/office/powerpoint/2010/main" val="270219120"/>
+        <p14:creationId xmlns:p14="http://schemas.microsoft.com/office/powerpoint/2010/main" val="1980711317"/>
       </p:ext>
     </p:extLst>
   </p:cSld>
@@ -4832,7 +5140,7 @@
           <p:cNvPr id="3" name="Content Placeholder 2">
             <a:extLst>
               <a:ext uri="{FF2B5EF4-FFF2-40B4-BE49-F238E27FC236}">
-                <a16:creationId xmlns:a16="http://schemas.microsoft.com/office/drawing/2014/main" id="{85A9FB66-DC24-580F-FECE-7CB3BC7C15EE}"/>
+                <a16:creationId xmlns:a16="http://schemas.microsoft.com/office/drawing/2014/main" id="{55EAFD12-6E14-1DE4-7848-350A1FE227B1}"/>
               </a:ext>
             </a:extLst>
           </p:cNvPr>
@@ -4845,8 +5153,8 @@
         </p:nvSpPr>
         <p:spPr>
           <a:xfrm>
-            <a:off x="838200" y="635453"/>
-            <a:ext cx="10515600" cy="4351338"/>
+            <a:off x="838200" y="566057"/>
+            <a:ext cx="10515600" cy="5610906"/>
           </a:xfrm>
         </p:spPr>
         <p:txBody>
@@ -4858,7 +5166,7 @@
             </a:pPr>
             <a:r>
               <a:rPr lang="en-US" dirty="0"/>
-              <a:t>3) Cropping:</a:t>
+              <a:t>This is how our dataset looks like:</a:t>
             </a:r>
           </a:p>
         </p:txBody>
@@ -4868,7 +5176,7 @@
           <p:cNvPr id="4" name="Slide Number Placeholder 3">
             <a:extLst>
               <a:ext uri="{FF2B5EF4-FFF2-40B4-BE49-F238E27FC236}">
-                <a16:creationId xmlns:a16="http://schemas.microsoft.com/office/drawing/2014/main" id="{2D9B16BB-C578-E749-1901-A53DAD9AA682}"/>
+                <a16:creationId xmlns:a16="http://schemas.microsoft.com/office/drawing/2014/main" id="{32339FDC-88FE-9E5E-36E0-19642743B44B}"/>
               </a:ext>
             </a:extLst>
           </p:cNvPr>
@@ -4892,10 +5200,46 @@
           </a:p>
         </p:txBody>
       </p:sp>
+      <p:pic>
+        <p:nvPicPr>
+          <p:cNvPr id="6" name="Picture 5">
+            <a:extLst>
+              <a:ext uri="{FF2B5EF4-FFF2-40B4-BE49-F238E27FC236}">
+                <a16:creationId xmlns:a16="http://schemas.microsoft.com/office/drawing/2014/main" id="{5B3E8F72-2574-69F8-447A-ACCC04B3B778}"/>
+              </a:ext>
+            </a:extLst>
+          </p:cNvPr>
+          <p:cNvPicPr>
+            <a:picLocks noChangeAspect="1"/>
+          </p:cNvPicPr>
+          <p:nvPr/>
+        </p:nvPicPr>
+        <p:blipFill>
+          <a:blip r:embed="rId2">
+            <a:extLst>
+              <a:ext uri="{28A0092B-C50C-407E-A947-70E740481C1C}">
+                <a14:useLocalDpi xmlns:a14="http://schemas.microsoft.com/office/drawing/2010/main" val="0"/>
+              </a:ext>
+            </a:extLst>
+          </a:blip>
+          <a:stretch>
+            <a:fillRect/>
+          </a:stretch>
+        </p:blipFill>
+        <p:spPr>
+          <a:xfrm>
+            <a:off x="1295327" y="1407886"/>
+            <a:ext cx="9601345" cy="5131026"/>
+          </a:xfrm>
+          <a:prstGeom prst="rect">
+            <a:avLst/>
+          </a:prstGeom>
+        </p:spPr>
+      </p:pic>
     </p:spTree>
     <p:extLst>
       <p:ext uri="{BB962C8B-B14F-4D97-AF65-F5344CB8AC3E}">
-        <p14:creationId xmlns:p14="http://schemas.microsoft.com/office/powerpoint/2010/main" val="2647727141"/>
+        <p14:creationId xmlns:p14="http://schemas.microsoft.com/office/powerpoint/2010/main" val="3050909197"/>
       </p:ext>
     </p:extLst>
   </p:cSld>
@@ -4924,60 +5268,45 @@
       </p:grpSpPr>
       <p:sp>
         <p:nvSpPr>
-          <p:cNvPr id="2" name="Title 1">
-            <a:extLst>
-              <a:ext uri="{FF2B5EF4-FFF2-40B4-BE49-F238E27FC236}">
-                <a16:creationId xmlns:a16="http://schemas.microsoft.com/office/drawing/2014/main" id="{95665458-BBBA-3CFB-673E-74FEBC6FC501}"/>
-              </a:ext>
-            </a:extLst>
-          </p:cNvPr>
-          <p:cNvSpPr>
-            <a:spLocks noGrp="1"/>
-          </p:cNvSpPr>
-          <p:nvPr>
-            <p:ph type="title"/>
-          </p:nvPr>
-        </p:nvSpPr>
-        <p:spPr/>
-        <p:txBody>
-          <a:bodyPr/>
-          <a:lstStyle/>
-          <a:p>
+          <p:cNvPr id="3" name="Content Placeholder 2">
+            <a:extLst>
+              <a:ext uri="{FF2B5EF4-FFF2-40B4-BE49-F238E27FC236}">
+                <a16:creationId xmlns:a16="http://schemas.microsoft.com/office/drawing/2014/main" id="{5946208F-94F2-4562-D395-B5AEE46D2396}"/>
+              </a:ext>
+            </a:extLst>
+          </p:cNvPr>
+          <p:cNvSpPr>
+            <a:spLocks noGrp="1"/>
+          </p:cNvSpPr>
+          <p:nvPr>
+            <p:ph idx="1"/>
+          </p:nvPr>
+        </p:nvSpPr>
+        <p:spPr>
+          <a:xfrm>
+            <a:off x="838200" y="275771"/>
+            <a:ext cx="10515600" cy="1553029"/>
+          </a:xfrm>
+        </p:spPr>
+        <p:txBody>
+          <a:bodyPr>
+            <a:normAutofit lnSpcReduction="10000"/>
+          </a:bodyPr>
+          <a:lstStyle/>
+          <a:p>
+            <a:pPr marL="0" indent="0">
+              <a:buNone/>
+            </a:pPr>
             <a:r>
               <a:rPr lang="en-US" dirty="0"/>
-              <a:t>Conclusion:</a:t>
-            </a:r>
-          </a:p>
-        </p:txBody>
-      </p:sp>
-      <p:sp>
-        <p:nvSpPr>
-          <p:cNvPr id="3" name="Content Placeholder 2">
-            <a:extLst>
-              <a:ext uri="{FF2B5EF4-FFF2-40B4-BE49-F238E27FC236}">
-                <a16:creationId xmlns:a16="http://schemas.microsoft.com/office/drawing/2014/main" id="{BA160353-9A42-6454-F086-0C0274907D8A}"/>
-              </a:ext>
-            </a:extLst>
-          </p:cNvPr>
-          <p:cNvSpPr>
-            <a:spLocks noGrp="1"/>
-          </p:cNvSpPr>
-          <p:nvPr>
-            <p:ph idx="1"/>
-          </p:nvPr>
-        </p:nvSpPr>
-        <p:spPr/>
-        <p:txBody>
-          <a:bodyPr/>
-          <a:lstStyle/>
+              <a:t>The DNN is going to take each image’s individual pixel (RGBA) value as an input to the first layer, the total number of inputs should be 64*64*4 which is 16384 inputs and 3 outputs since we have three pre-defined watermarks:</a:t>
+            </a:r>
+          </a:p>
           <a:p>
             <a:pPr marL="0" indent="0">
               <a:buNone/>
             </a:pPr>
-            <a:r>
-              <a:rPr lang="en-US" dirty="0"/>
-              <a:t>Although we got great results on the experiments that we applied, however there are some cases were the marked-image gets damaged by some strong attacks or compression algorithms in a way that even a well-trained deep neural network cannot be able to detect the embedded watermark or even if it did it will be with a low confidence score (accuracy) which means a higher error, and the higher the error goes, the less we are sure about whether a certain watermark exists in an image or not.</a:t>
-            </a:r>
+            <a:endParaRPr lang="en-US" dirty="0"/>
           </a:p>
         </p:txBody>
       </p:sp>
@@ -4986,7 +5315,7 @@
           <p:cNvPr id="4" name="Slide Number Placeholder 3">
             <a:extLst>
               <a:ext uri="{FF2B5EF4-FFF2-40B4-BE49-F238E27FC236}">
-                <a16:creationId xmlns:a16="http://schemas.microsoft.com/office/drawing/2014/main" id="{FD4CC431-7158-D24B-F3DD-BB26FFA027A7}"/>
+                <a16:creationId xmlns:a16="http://schemas.microsoft.com/office/drawing/2014/main" id="{7323A08A-8C64-98E4-E699-2C31C156433D}"/>
               </a:ext>
             </a:extLst>
           </p:cNvPr>
@@ -5010,10 +5339,379 @@
           </a:p>
         </p:txBody>
       </p:sp>
+      <p:pic>
+        <p:nvPicPr>
+          <p:cNvPr id="8" name="Picture 7">
+            <a:extLst>
+              <a:ext uri="{FF2B5EF4-FFF2-40B4-BE49-F238E27FC236}">
+                <a16:creationId xmlns:a16="http://schemas.microsoft.com/office/drawing/2014/main" id="{672B925A-518A-936B-6BD9-81221564B9C8}"/>
+              </a:ext>
+            </a:extLst>
+          </p:cNvPr>
+          <p:cNvPicPr>
+            <a:picLocks noChangeAspect="1"/>
+          </p:cNvPicPr>
+          <p:nvPr/>
+        </p:nvPicPr>
+        <p:blipFill>
+          <a:blip r:embed="rId2">
+            <a:extLst>
+              <a:ext uri="{28A0092B-C50C-407E-A947-70E740481C1C}">
+                <a14:useLocalDpi xmlns:a14="http://schemas.microsoft.com/office/drawing/2010/main" val="0"/>
+              </a:ext>
+            </a:extLst>
+          </a:blip>
+          <a:stretch>
+            <a:fillRect/>
+          </a:stretch>
+        </p:blipFill>
+        <p:spPr>
+          <a:xfrm>
+            <a:off x="1535289" y="1727200"/>
+            <a:ext cx="9121422" cy="5130800"/>
+          </a:xfrm>
+          <a:prstGeom prst="rect">
+            <a:avLst/>
+          </a:prstGeom>
+        </p:spPr>
+      </p:pic>
     </p:spTree>
     <p:extLst>
       <p:ext uri="{BB962C8B-B14F-4D97-AF65-F5344CB8AC3E}">
-        <p14:creationId xmlns:p14="http://schemas.microsoft.com/office/powerpoint/2010/main" val="2282262736"/>
+        <p14:creationId xmlns:p14="http://schemas.microsoft.com/office/powerpoint/2010/main" val="3827473930"/>
+      </p:ext>
+    </p:extLst>
+  </p:cSld>
+  <p:clrMapOvr>
+    <a:masterClrMapping/>
+  </p:clrMapOvr>
+</p:sld>
+</file>
+
+<file path=ppt/slides/slide18.xml><?xml version="1.0" encoding="utf-8"?>
+<p:sld xmlns:a="http://schemas.openxmlformats.org/drawingml/2006/main" xmlns:r="http://schemas.openxmlformats.org/officeDocument/2006/relationships" xmlns:p="http://schemas.openxmlformats.org/presentationml/2006/main">
+  <p:cSld>
+    <p:spTree>
+      <p:nvGrpSpPr>
+        <p:cNvPr id="1" name=""/>
+        <p:cNvGrpSpPr/>
+        <p:nvPr/>
+      </p:nvGrpSpPr>
+      <p:grpSpPr>
+        <a:xfrm>
+          <a:off x="0" y="0"/>
+          <a:ext cx="0" cy="0"/>
+          <a:chOff x="0" y="0"/>
+          <a:chExt cx="0" cy="0"/>
+        </a:xfrm>
+      </p:grpSpPr>
+      <p:sp>
+        <p:nvSpPr>
+          <p:cNvPr id="3" name="Content Placeholder 2">
+            <a:extLst>
+              <a:ext uri="{FF2B5EF4-FFF2-40B4-BE49-F238E27FC236}">
+                <a16:creationId xmlns:a16="http://schemas.microsoft.com/office/drawing/2014/main" id="{D4577710-4D77-F60E-317D-A7500197FDDC}"/>
+              </a:ext>
+            </a:extLst>
+          </p:cNvPr>
+          <p:cNvSpPr>
+            <a:spLocks noGrp="1"/>
+          </p:cNvSpPr>
+          <p:nvPr>
+            <p:ph idx="1"/>
+          </p:nvPr>
+        </p:nvSpPr>
+        <p:spPr>
+          <a:xfrm>
+            <a:off x="838200" y="577396"/>
+            <a:ext cx="10515600" cy="757918"/>
+          </a:xfrm>
+        </p:spPr>
+        <p:txBody>
+          <a:bodyPr/>
+          <a:lstStyle/>
+          <a:p>
+            <a:pPr marL="0" indent="0">
+              <a:buNone/>
+            </a:pPr>
+            <a:r>
+              <a:rPr lang="en-US" dirty="0"/>
+              <a:t>Training performance:</a:t>
+            </a:r>
+          </a:p>
+          <a:p>
+            <a:pPr marL="0" indent="0">
+              <a:buNone/>
+            </a:pPr>
+            <a:endParaRPr lang="en-US" dirty="0"/>
+          </a:p>
+        </p:txBody>
+      </p:sp>
+      <p:sp>
+        <p:nvSpPr>
+          <p:cNvPr id="4" name="Slide Number Placeholder 3">
+            <a:extLst>
+              <a:ext uri="{FF2B5EF4-FFF2-40B4-BE49-F238E27FC236}">
+                <a16:creationId xmlns:a16="http://schemas.microsoft.com/office/drawing/2014/main" id="{86DA7DF4-9BF2-FF1C-CBDA-6B079BA169DD}"/>
+              </a:ext>
+            </a:extLst>
+          </p:cNvPr>
+          <p:cNvSpPr>
+            <a:spLocks noGrp="1"/>
+          </p:cNvSpPr>
+          <p:nvPr>
+            <p:ph type="sldNum" sz="quarter" idx="12"/>
+          </p:nvPr>
+        </p:nvSpPr>
+        <p:spPr/>
+        <p:txBody>
+          <a:bodyPr/>
+          <a:lstStyle/>
+          <a:p>
+            <a:fld id="{D9E6A441-5805-45FA-A3A8-5CF7DFF4D184}" type="slidenum">
+              <a:rPr lang="en-US" smtClean="0"/>
+              <a:t>18</a:t>
+            </a:fld>
+            <a:endParaRPr lang="en-US"/>
+          </a:p>
+        </p:txBody>
+      </p:sp>
+      <p:pic>
+        <p:nvPicPr>
+          <p:cNvPr id="11" name="Content Placeholder 5">
+            <a:extLst>
+              <a:ext uri="{FF2B5EF4-FFF2-40B4-BE49-F238E27FC236}">
+                <a16:creationId xmlns:a16="http://schemas.microsoft.com/office/drawing/2014/main" id="{49A4E02C-2B02-90F8-F65F-6F7447E9B436}"/>
+              </a:ext>
+            </a:extLst>
+          </p:cNvPr>
+          <p:cNvPicPr>
+            <a:picLocks noChangeAspect="1"/>
+          </p:cNvPicPr>
+          <p:nvPr/>
+        </p:nvPicPr>
+        <p:blipFill>
+          <a:blip r:embed="rId2">
+            <a:extLst>
+              <a:ext uri="{28A0092B-C50C-407E-A947-70E740481C1C}">
+                <a14:useLocalDpi xmlns:a14="http://schemas.microsoft.com/office/drawing/2010/main" val="0"/>
+              </a:ext>
+            </a:extLst>
+          </a:blip>
+          <a:stretch>
+            <a:fillRect/>
+          </a:stretch>
+        </p:blipFill>
+        <p:spPr>
+          <a:xfrm>
+            <a:off x="2292936" y="1196367"/>
+            <a:ext cx="7606127" cy="5084237"/>
+          </a:xfrm>
+          <a:prstGeom prst="rect">
+            <a:avLst/>
+          </a:prstGeom>
+        </p:spPr>
+      </p:pic>
+    </p:spTree>
+    <p:extLst>
+      <p:ext uri="{BB962C8B-B14F-4D97-AF65-F5344CB8AC3E}">
+        <p14:creationId xmlns:p14="http://schemas.microsoft.com/office/powerpoint/2010/main" val="170997447"/>
+      </p:ext>
+    </p:extLst>
+  </p:cSld>
+  <p:clrMapOvr>
+    <a:masterClrMapping/>
+  </p:clrMapOvr>
+</p:sld>
+</file>
+
+<file path=ppt/slides/slide19.xml><?xml version="1.0" encoding="utf-8"?>
+<p:sld xmlns:a="http://schemas.openxmlformats.org/drawingml/2006/main" xmlns:r="http://schemas.openxmlformats.org/officeDocument/2006/relationships" xmlns:p="http://schemas.openxmlformats.org/presentationml/2006/main">
+  <p:cSld>
+    <p:spTree>
+      <p:nvGrpSpPr>
+        <p:cNvPr id="1" name=""/>
+        <p:cNvGrpSpPr/>
+        <p:nvPr/>
+      </p:nvGrpSpPr>
+      <p:grpSpPr>
+        <a:xfrm>
+          <a:off x="0" y="0"/>
+          <a:ext cx="0" cy="0"/>
+          <a:chOff x="0" y="0"/>
+          <a:chExt cx="0" cy="0"/>
+        </a:xfrm>
+      </p:grpSpPr>
+      <p:sp>
+        <p:nvSpPr>
+          <p:cNvPr id="3" name="Content Placeholder 2">
+            <a:extLst>
+              <a:ext uri="{FF2B5EF4-FFF2-40B4-BE49-F238E27FC236}">
+                <a16:creationId xmlns:a16="http://schemas.microsoft.com/office/drawing/2014/main" id="{1652BD91-29A5-C80B-3BE1-818B30AE306D}"/>
+              </a:ext>
+            </a:extLst>
+          </p:cNvPr>
+          <p:cNvSpPr>
+            <a:spLocks noGrp="1"/>
+          </p:cNvSpPr>
+          <p:nvPr>
+            <p:ph idx="1"/>
+          </p:nvPr>
+        </p:nvSpPr>
+        <p:spPr>
+          <a:xfrm>
+            <a:off x="722085" y="519338"/>
+            <a:ext cx="10515600" cy="5837011"/>
+          </a:xfrm>
+        </p:spPr>
+        <p:txBody>
+          <a:bodyPr>
+            <a:normAutofit fontScale="85000" lnSpcReduction="20000"/>
+          </a:bodyPr>
+          <a:lstStyle/>
+          <a:p>
+            <a:pPr marL="0" indent="0">
+              <a:buNone/>
+            </a:pPr>
+            <a:r>
+              <a:rPr lang="en-US" dirty="0"/>
+              <a:t>3) Extraction:</a:t>
+            </a:r>
+          </a:p>
+          <a:p>
+            <a:pPr marL="0" indent="0">
+              <a:buNone/>
+            </a:pPr>
+            <a:endParaRPr lang="en-US" dirty="0"/>
+          </a:p>
+          <a:p>
+            <a:pPr marL="0" indent="0">
+              <a:buNone/>
+            </a:pPr>
+            <a:r>
+              <a:rPr lang="en-US" dirty="0"/>
+              <a:t>The extraction phase is divided into two steps:</a:t>
+            </a:r>
+          </a:p>
+          <a:p>
+            <a:pPr marL="0" indent="0">
+              <a:buNone/>
+            </a:pPr>
+            <a:r>
+              <a:rPr lang="en-US" dirty="0"/>
+              <a:t> </a:t>
+            </a:r>
+          </a:p>
+          <a:p>
+            <a:pPr marL="514350" indent="-514350">
+              <a:buAutoNum type="alphaLcParenR"/>
+            </a:pPr>
+            <a:r>
+              <a:rPr lang="en-US" dirty="0"/>
+              <a:t>Cropping the watermark area (64x64 pixel) where it’s expected to be; </a:t>
+            </a:r>
+          </a:p>
+          <a:p>
+            <a:pPr marL="514350" indent="-514350">
+              <a:buAutoNum type="alphaLcParenR"/>
+            </a:pPr>
+            <a:endParaRPr lang="en-US" dirty="0"/>
+          </a:p>
+          <a:p>
+            <a:pPr marL="514350" indent="-514350">
+              <a:buAutoNum type="alphaLcParenR"/>
+            </a:pPr>
+            <a:r>
+              <a:rPr lang="en-US" dirty="0"/>
+              <a:t>The pre-trained DNN is going to take marked image as an input (pixels matrix), and in the other hand we got 3 output nodes which will give the results that depend on the NC factor (confidence score) as given in Eq. 2: </a:t>
+            </a:r>
+          </a:p>
+          <a:p>
+            <a:pPr marL="0" indent="0">
+              <a:buNone/>
+            </a:pPr>
+            <a:r>
+              <a:rPr lang="en-US" dirty="0"/>
+              <a:t>		</a:t>
+            </a:r>
+          </a:p>
+          <a:p>
+            <a:pPr marL="0" indent="0">
+              <a:buNone/>
+            </a:pPr>
+            <a:r>
+              <a:rPr lang="en-US" dirty="0"/>
+              <a:t>			NC(i) = AN / TNN …... (Eq. 2) </a:t>
+            </a:r>
+          </a:p>
+          <a:p>
+            <a:pPr marL="0" indent="0">
+              <a:buNone/>
+            </a:pPr>
+            <a:endParaRPr lang="en-US" dirty="0"/>
+          </a:p>
+          <a:p>
+            <a:pPr marL="0" indent="0">
+              <a:buNone/>
+            </a:pPr>
+            <a:r>
+              <a:rPr lang="en-US" dirty="0"/>
+              <a:t>i : index of pre-defined watermark</a:t>
+            </a:r>
+          </a:p>
+          <a:p>
+            <a:pPr marL="0" indent="0">
+              <a:buNone/>
+            </a:pPr>
+            <a:r>
+              <a:rPr lang="en-US" dirty="0"/>
+              <a:t>AN: activated neurons </a:t>
+            </a:r>
+          </a:p>
+          <a:p>
+            <a:pPr marL="0" indent="0">
+              <a:buNone/>
+            </a:pPr>
+            <a:r>
+              <a:rPr lang="en-US" dirty="0"/>
+              <a:t>TNN: total number of neurons</a:t>
+            </a:r>
+          </a:p>
+        </p:txBody>
+      </p:sp>
+      <p:sp>
+        <p:nvSpPr>
+          <p:cNvPr id="4" name="Slide Number Placeholder 3">
+            <a:extLst>
+              <a:ext uri="{FF2B5EF4-FFF2-40B4-BE49-F238E27FC236}">
+                <a16:creationId xmlns:a16="http://schemas.microsoft.com/office/drawing/2014/main" id="{93370E1F-2335-F9E5-D4C7-CE012E9B389B}"/>
+              </a:ext>
+            </a:extLst>
+          </p:cNvPr>
+          <p:cNvSpPr>
+            <a:spLocks noGrp="1"/>
+          </p:cNvSpPr>
+          <p:nvPr>
+            <p:ph type="sldNum" sz="quarter" idx="12"/>
+          </p:nvPr>
+        </p:nvSpPr>
+        <p:spPr/>
+        <p:txBody>
+          <a:bodyPr/>
+          <a:lstStyle/>
+          <a:p>
+            <a:fld id="{D9E6A441-5805-45FA-A3A8-5CF7DFF4D184}" type="slidenum">
+              <a:rPr lang="en-US" smtClean="0"/>
+              <a:t>19</a:t>
+            </a:fld>
+            <a:endParaRPr lang="en-US"/>
+          </a:p>
+        </p:txBody>
+      </p:sp>
+    </p:spTree>
+    <p:extLst>
+      <p:ext uri="{BB962C8B-B14F-4D97-AF65-F5344CB8AC3E}">
+        <p14:creationId xmlns:p14="http://schemas.microsoft.com/office/powerpoint/2010/main" val="3027162562"/>
       </p:ext>
     </p:extLst>
   </p:cSld>
@@ -5092,7 +5790,7 @@
         </p:spPr>
         <p:txBody>
           <a:bodyPr>
-            <a:normAutofit fontScale="92500" lnSpcReduction="10000"/>
+            <a:normAutofit lnSpcReduction="10000"/>
           </a:bodyPr>
           <a:lstStyle/>
           <a:p>
@@ -5141,12 +5839,6 @@
             <a:r>
               <a:rPr lang="en-US" dirty="0"/>
               <a:t>Development process (embedding, training and extraction models)</a:t>
-            </a:r>
-          </a:p>
-          <a:p>
-            <a:r>
-              <a:rPr lang="en-US" dirty="0"/>
-              <a:t>Experiments</a:t>
             </a:r>
           </a:p>
           <a:p>
@@ -5199,6 +5891,351 @@
     <p:extLst>
       <p:ext uri="{BB962C8B-B14F-4D97-AF65-F5344CB8AC3E}">
         <p14:creationId xmlns:p14="http://schemas.microsoft.com/office/powerpoint/2010/main" val="1809072517"/>
+      </p:ext>
+    </p:extLst>
+  </p:cSld>
+  <p:clrMapOvr>
+    <a:masterClrMapping/>
+  </p:clrMapOvr>
+</p:sld>
+</file>
+
+<file path=ppt/slides/slide20.xml><?xml version="1.0" encoding="utf-8"?>
+<p:sld xmlns:a="http://schemas.openxmlformats.org/drawingml/2006/main" xmlns:r="http://schemas.openxmlformats.org/officeDocument/2006/relationships" xmlns:p="http://schemas.openxmlformats.org/presentationml/2006/main">
+  <p:cSld>
+    <p:spTree>
+      <p:nvGrpSpPr>
+        <p:cNvPr id="1" name=""/>
+        <p:cNvGrpSpPr/>
+        <p:nvPr/>
+      </p:nvGrpSpPr>
+      <p:grpSpPr>
+        <a:xfrm>
+          <a:off x="0" y="0"/>
+          <a:ext cx="0" cy="0"/>
+          <a:chOff x="0" y="0"/>
+          <a:chExt cx="0" cy="0"/>
+        </a:xfrm>
+      </p:grpSpPr>
+      <p:pic>
+        <p:nvPicPr>
+          <p:cNvPr id="6" name="Content Placeholder 5">
+            <a:extLst>
+              <a:ext uri="{FF2B5EF4-FFF2-40B4-BE49-F238E27FC236}">
+                <a16:creationId xmlns:a16="http://schemas.microsoft.com/office/drawing/2014/main" id="{D33B63C8-1336-BA74-99DC-F0D2F1A2B671}"/>
+              </a:ext>
+            </a:extLst>
+          </p:cNvPr>
+          <p:cNvPicPr>
+            <a:picLocks noGrp="1" noChangeAspect="1"/>
+          </p:cNvPicPr>
+          <p:nvPr>
+            <p:ph idx="1"/>
+          </p:nvPr>
+        </p:nvPicPr>
+        <p:blipFill>
+          <a:blip r:embed="rId2">
+            <a:extLst>
+              <a:ext uri="{28A0092B-C50C-407E-A947-70E740481C1C}">
+                <a14:useLocalDpi xmlns:a14="http://schemas.microsoft.com/office/drawing/2010/main" val="0"/>
+              </a:ext>
+            </a:extLst>
+          </a:blip>
+          <a:stretch>
+            <a:fillRect/>
+          </a:stretch>
+        </p:blipFill>
+        <p:spPr>
+          <a:xfrm>
+            <a:off x="1147233" y="645318"/>
+            <a:ext cx="9897534" cy="5567363"/>
+          </a:xfrm>
+        </p:spPr>
+      </p:pic>
+      <p:sp>
+        <p:nvSpPr>
+          <p:cNvPr id="4" name="Slide Number Placeholder 3">
+            <a:extLst>
+              <a:ext uri="{FF2B5EF4-FFF2-40B4-BE49-F238E27FC236}">
+                <a16:creationId xmlns:a16="http://schemas.microsoft.com/office/drawing/2014/main" id="{4A085393-0B5B-D938-FB79-39840895048E}"/>
+              </a:ext>
+            </a:extLst>
+          </p:cNvPr>
+          <p:cNvSpPr>
+            <a:spLocks noGrp="1"/>
+          </p:cNvSpPr>
+          <p:nvPr>
+            <p:ph type="sldNum" sz="quarter" idx="12"/>
+          </p:nvPr>
+        </p:nvSpPr>
+        <p:spPr/>
+        <p:txBody>
+          <a:bodyPr/>
+          <a:lstStyle/>
+          <a:p>
+            <a:fld id="{D9E6A441-5805-45FA-A3A8-5CF7DFF4D184}" type="slidenum">
+              <a:rPr lang="en-US" smtClean="0"/>
+              <a:t>20</a:t>
+            </a:fld>
+            <a:endParaRPr lang="en-US"/>
+          </a:p>
+        </p:txBody>
+      </p:sp>
+    </p:spTree>
+    <p:extLst>
+      <p:ext uri="{BB962C8B-B14F-4D97-AF65-F5344CB8AC3E}">
+        <p14:creationId xmlns:p14="http://schemas.microsoft.com/office/powerpoint/2010/main" val="2077112988"/>
+      </p:ext>
+    </p:extLst>
+  </p:cSld>
+  <p:clrMapOvr>
+    <a:masterClrMapping/>
+  </p:clrMapOvr>
+</p:sld>
+</file>
+
+<file path=ppt/slides/slide21.xml><?xml version="1.0" encoding="utf-8"?>
+<p:sld xmlns:a="http://schemas.openxmlformats.org/drawingml/2006/main" xmlns:r="http://schemas.openxmlformats.org/officeDocument/2006/relationships" xmlns:p="http://schemas.openxmlformats.org/presentationml/2006/main">
+  <p:cSld>
+    <p:spTree>
+      <p:nvGrpSpPr>
+        <p:cNvPr id="1" name=""/>
+        <p:cNvGrpSpPr/>
+        <p:nvPr/>
+      </p:nvGrpSpPr>
+      <p:grpSpPr>
+        <a:xfrm>
+          <a:off x="0" y="0"/>
+          <a:ext cx="0" cy="0"/>
+          <a:chOff x="0" y="0"/>
+          <a:chExt cx="0" cy="0"/>
+        </a:xfrm>
+      </p:grpSpPr>
+      <p:sp>
+        <p:nvSpPr>
+          <p:cNvPr id="2" name="Title 1">
+            <a:extLst>
+              <a:ext uri="{FF2B5EF4-FFF2-40B4-BE49-F238E27FC236}">
+                <a16:creationId xmlns:a16="http://schemas.microsoft.com/office/drawing/2014/main" id="{95665458-BBBA-3CFB-673E-74FEBC6FC501}"/>
+              </a:ext>
+            </a:extLst>
+          </p:cNvPr>
+          <p:cNvSpPr>
+            <a:spLocks noGrp="1"/>
+          </p:cNvSpPr>
+          <p:nvPr>
+            <p:ph type="title"/>
+          </p:nvPr>
+        </p:nvSpPr>
+        <p:spPr/>
+        <p:txBody>
+          <a:bodyPr/>
+          <a:lstStyle/>
+          <a:p>
+            <a:r>
+              <a:rPr lang="en-US" dirty="0"/>
+              <a:t>Conclusion:</a:t>
+            </a:r>
+          </a:p>
+        </p:txBody>
+      </p:sp>
+      <p:sp>
+        <p:nvSpPr>
+          <p:cNvPr id="3" name="Content Placeholder 2">
+            <a:extLst>
+              <a:ext uri="{FF2B5EF4-FFF2-40B4-BE49-F238E27FC236}">
+                <a16:creationId xmlns:a16="http://schemas.microsoft.com/office/drawing/2014/main" id="{BA160353-9A42-6454-F086-0C0274907D8A}"/>
+              </a:ext>
+            </a:extLst>
+          </p:cNvPr>
+          <p:cNvSpPr>
+            <a:spLocks noGrp="1"/>
+          </p:cNvSpPr>
+          <p:nvPr>
+            <p:ph idx="1"/>
+          </p:nvPr>
+        </p:nvSpPr>
+        <p:spPr>
+          <a:xfrm>
+            <a:off x="838200" y="1825625"/>
+            <a:ext cx="10515600" cy="3268889"/>
+          </a:xfrm>
+        </p:spPr>
+        <p:txBody>
+          <a:bodyPr>
+            <a:normAutofit fontScale="92500" lnSpcReduction="20000"/>
+          </a:bodyPr>
+          <a:lstStyle/>
+          <a:p>
+            <a:pPr>
+              <a:buFontTx/>
+              <a:buChar char="-"/>
+            </a:pPr>
+            <a:endParaRPr lang="en-US" dirty="0"/>
+          </a:p>
+          <a:p>
+            <a:pPr>
+              <a:buFontTx/>
+              <a:buChar char="-"/>
+            </a:pPr>
+            <a:r>
+              <a:rPr lang="en-US" dirty="0"/>
+              <a:t>DNN watermarking is immune to vulnerabilities in the same way that any other watermarking solution is.</a:t>
+            </a:r>
+          </a:p>
+          <a:p>
+            <a:pPr>
+              <a:buFontTx/>
+              <a:buChar char="-"/>
+            </a:pPr>
+            <a:endParaRPr lang="en-US" dirty="0"/>
+          </a:p>
+          <a:p>
+            <a:pPr>
+              <a:buFontTx/>
+              <a:buChar char="-"/>
+            </a:pPr>
+            <a:r>
+              <a:rPr lang="en-US" dirty="0"/>
+              <a:t>DNNs are becoming increasingly popular with its human-like capabilities and considering the resources invested in its making, it is important that these advancements be protected, and from our reading we can be quite confident that watermarking is one of the reliable ways to achieve this goal. </a:t>
+            </a:r>
+          </a:p>
+          <a:p>
+            <a:pPr>
+              <a:buFontTx/>
+              <a:buChar char="-"/>
+            </a:pPr>
+            <a:endParaRPr lang="en-US" dirty="0"/>
+          </a:p>
+        </p:txBody>
+      </p:sp>
+      <p:sp>
+        <p:nvSpPr>
+          <p:cNvPr id="4" name="Slide Number Placeholder 3">
+            <a:extLst>
+              <a:ext uri="{FF2B5EF4-FFF2-40B4-BE49-F238E27FC236}">
+                <a16:creationId xmlns:a16="http://schemas.microsoft.com/office/drawing/2014/main" id="{FD4CC431-7158-D24B-F3DD-BB26FFA027A7}"/>
+              </a:ext>
+            </a:extLst>
+          </p:cNvPr>
+          <p:cNvSpPr>
+            <a:spLocks noGrp="1"/>
+          </p:cNvSpPr>
+          <p:nvPr>
+            <p:ph type="sldNum" sz="quarter" idx="12"/>
+          </p:nvPr>
+        </p:nvSpPr>
+        <p:spPr/>
+        <p:txBody>
+          <a:bodyPr/>
+          <a:lstStyle/>
+          <a:p>
+            <a:fld id="{D9E6A441-5805-45FA-A3A8-5CF7DFF4D184}" type="slidenum">
+              <a:rPr lang="en-US" smtClean="0"/>
+              <a:t>21</a:t>
+            </a:fld>
+            <a:endParaRPr lang="en-US"/>
+          </a:p>
+        </p:txBody>
+      </p:sp>
+    </p:spTree>
+    <p:extLst>
+      <p:ext uri="{BB962C8B-B14F-4D97-AF65-F5344CB8AC3E}">
+        <p14:creationId xmlns:p14="http://schemas.microsoft.com/office/powerpoint/2010/main" val="2282262736"/>
+      </p:ext>
+    </p:extLst>
+  </p:cSld>
+  <p:clrMapOvr>
+    <a:masterClrMapping/>
+  </p:clrMapOvr>
+</p:sld>
+</file>
+
+<file path=ppt/slides/slide22.xml><?xml version="1.0" encoding="utf-8"?>
+<p:sld xmlns:a="http://schemas.openxmlformats.org/drawingml/2006/main" xmlns:r="http://schemas.openxmlformats.org/officeDocument/2006/relationships" xmlns:p="http://schemas.openxmlformats.org/presentationml/2006/main">
+  <p:cSld>
+    <p:spTree>
+      <p:nvGrpSpPr>
+        <p:cNvPr id="1" name=""/>
+        <p:cNvGrpSpPr/>
+        <p:nvPr/>
+      </p:nvGrpSpPr>
+      <p:grpSpPr>
+        <a:xfrm>
+          <a:off x="0" y="0"/>
+          <a:ext cx="0" cy="0"/>
+          <a:chOff x="0" y="0"/>
+          <a:chExt cx="0" cy="0"/>
+        </a:xfrm>
+      </p:grpSpPr>
+      <p:sp>
+        <p:nvSpPr>
+          <p:cNvPr id="2" name="Title 1">
+            <a:extLst>
+              <a:ext uri="{FF2B5EF4-FFF2-40B4-BE49-F238E27FC236}">
+                <a16:creationId xmlns:a16="http://schemas.microsoft.com/office/drawing/2014/main" id="{B612F972-4CFC-B177-743A-8644DE3463FB}"/>
+              </a:ext>
+            </a:extLst>
+          </p:cNvPr>
+          <p:cNvSpPr>
+            <a:spLocks noGrp="1"/>
+          </p:cNvSpPr>
+          <p:nvPr>
+            <p:ph type="title"/>
+          </p:nvPr>
+        </p:nvSpPr>
+        <p:spPr>
+          <a:xfrm>
+            <a:off x="4068535" y="2766218"/>
+            <a:ext cx="4054929" cy="1325563"/>
+          </a:xfrm>
+        </p:spPr>
+        <p:txBody>
+          <a:bodyPr>
+            <a:noAutofit/>
+          </a:bodyPr>
+          <a:lstStyle/>
+          <a:p>
+            <a:r>
+              <a:rPr lang="en-US" sz="6000" dirty="0"/>
+              <a:t>Thank you :)</a:t>
+            </a:r>
+          </a:p>
+        </p:txBody>
+      </p:sp>
+      <p:sp>
+        <p:nvSpPr>
+          <p:cNvPr id="4" name="Slide Number Placeholder 3">
+            <a:extLst>
+              <a:ext uri="{FF2B5EF4-FFF2-40B4-BE49-F238E27FC236}">
+                <a16:creationId xmlns:a16="http://schemas.microsoft.com/office/drawing/2014/main" id="{FEDCEBEA-B9F7-2D4D-1DA3-9CDC6D2D19F9}"/>
+              </a:ext>
+            </a:extLst>
+          </p:cNvPr>
+          <p:cNvSpPr>
+            <a:spLocks noGrp="1"/>
+          </p:cNvSpPr>
+          <p:nvPr>
+            <p:ph type="sldNum" sz="quarter" idx="12"/>
+          </p:nvPr>
+        </p:nvSpPr>
+        <p:spPr/>
+        <p:txBody>
+          <a:bodyPr/>
+          <a:lstStyle/>
+          <a:p>
+            <a:fld id="{D9E6A441-5805-45FA-A3A8-5CF7DFF4D184}" type="slidenum">
+              <a:rPr lang="en-US" smtClean="0"/>
+              <a:t>22</a:t>
+            </a:fld>
+            <a:endParaRPr lang="en-US"/>
+          </a:p>
+        </p:txBody>
+      </p:sp>
+    </p:spTree>
+    <p:extLst>
+      <p:ext uri="{BB962C8B-B14F-4D97-AF65-F5344CB8AC3E}">
+        <p14:creationId xmlns:p14="http://schemas.microsoft.com/office/powerpoint/2010/main" val="46134528"/>
       </p:ext>
     </p:extLst>
   </p:cSld>
@@ -6885,12 +7922,29 @@
             <p:ph idx="1"/>
           </p:nvPr>
         </p:nvSpPr>
-        <p:spPr/>
-        <p:txBody>
-          <a:bodyPr/>
-          <a:lstStyle/>
-          <a:p>
-            <a:endParaRPr lang="en-US"/>
+        <p:spPr>
+          <a:xfrm>
+            <a:off x="838200" y="1825625"/>
+            <a:ext cx="10515600" cy="1773918"/>
+          </a:xfrm>
+        </p:spPr>
+        <p:txBody>
+          <a:bodyPr/>
+          <a:lstStyle/>
+          <a:p>
+            <a:pPr marL="0" indent="0">
+              <a:buNone/>
+            </a:pPr>
+            <a:r>
+              <a:rPr lang="en-US" dirty="0"/>
+              <a:t>DNNs can be used within several types of data, like text, images, audio and video. Since digital watermarking deal with images we can get use of DNN to help us recognize patterns, Here is a simple DNN architecture:</a:t>
+            </a:r>
+          </a:p>
+          <a:p>
+            <a:pPr marL="0" indent="0">
+              <a:buNone/>
+            </a:pPr>
+            <a:endParaRPr lang="en-US" dirty="0"/>
           </a:p>
         </p:txBody>
       </p:sp>
@@ -6923,6 +7977,42 @@
           </a:p>
         </p:txBody>
       </p:sp>
+      <p:pic>
+        <p:nvPicPr>
+          <p:cNvPr id="6" name="Picture 5">
+            <a:extLst>
+              <a:ext uri="{FF2B5EF4-FFF2-40B4-BE49-F238E27FC236}">
+                <a16:creationId xmlns:a16="http://schemas.microsoft.com/office/drawing/2014/main" id="{B39B0FB2-D767-8642-BDFC-F792A9810214}"/>
+              </a:ext>
+            </a:extLst>
+          </p:cNvPr>
+          <p:cNvPicPr>
+            <a:picLocks noChangeAspect="1"/>
+          </p:cNvPicPr>
+          <p:nvPr/>
+        </p:nvPicPr>
+        <p:blipFill>
+          <a:blip r:embed="rId2">
+            <a:extLst>
+              <a:ext uri="{28A0092B-C50C-407E-A947-70E740481C1C}">
+                <a14:useLocalDpi xmlns:a14="http://schemas.microsoft.com/office/drawing/2010/main" val="0"/>
+              </a:ext>
+            </a:extLst>
+          </a:blip>
+          <a:stretch>
+            <a:fillRect/>
+          </a:stretch>
+        </p:blipFill>
+        <p:spPr>
+          <a:xfrm>
+            <a:off x="2873828" y="3261636"/>
+            <a:ext cx="7577137" cy="3596364"/>
+          </a:xfrm>
+          <a:prstGeom prst="rect">
+            <a:avLst/>
+          </a:prstGeom>
+        </p:spPr>
+      </p:pic>
     </p:spTree>
     <p:extLst>
       <p:ext uri="{BB962C8B-B14F-4D97-AF65-F5344CB8AC3E}">

--- a/Presentation.pptx
+++ b/Presentation.pptx
@@ -218,7 +218,7 @@
           <a:p>
             <a:fld id="{D400B13D-EE57-48E9-99A1-CFE6CF470ED9}" type="datetimeFigureOut">
               <a:rPr lang="en-US" smtClean="0"/>
-              <a:t>6/20/2022</a:t>
+              <a:t>6/21/2022</a:t>
             </a:fld>
             <a:endParaRPr lang="en-US"/>
           </a:p>
@@ -529,24 +529,6 @@
           <a:bodyPr/>
           <a:lstStyle/>
           <a:p>
-            <a:r>
-              <a:rPr lang="en-US" sz="1800" dirty="0">
-                <a:effectLst/>
-                <a:latin typeface="Times New Roman" panose="02020603050405020304" pitchFamily="18" charset="0"/>
-                <a:ea typeface="Times New Roman" panose="02020603050405020304" pitchFamily="18" charset="0"/>
-              </a:rPr>
-              <a:t>In the last two decades, watermarking technology has been applied to protect multimedia documents, </a:t>
-            </a:r>
-            <a:r>
-              <a:rPr lang="en-US" b="0" i="0" dirty="0">
-                <a:solidFill>
-                  <a:srgbClr val="888888"/>
-                </a:solidFill>
-                <a:effectLst/>
-                <a:latin typeface="Roboto" panose="02000000000000000000" pitchFamily="2" charset="0"/>
-              </a:rPr>
-              <a:t>Digital watermarking basically is a technique of embedding pieces of information into digital data such as text, audio, video, and still images that can be detected or extracted later to show authentication about the data</a:t>
-            </a:r>
             <a:endParaRPr lang="en-US" dirty="0"/>
           </a:p>
         </p:txBody>
@@ -568,7 +550,7 @@
           <a:p>
             <a:fld id="{C55C3CF3-A201-43B0-8BD5-438B3A5892EA}" type="slidenum">
               <a:rPr lang="en-US" smtClean="0"/>
-              <a:t>3</a:t>
+              <a:t>1</a:t>
             </a:fld>
             <a:endParaRPr lang="en-US"/>
           </a:p>
@@ -577,7 +559,7 @@
     </p:spTree>
     <p:extLst>
       <p:ext uri="{BB962C8B-B14F-4D97-AF65-F5344CB8AC3E}">
-        <p14:creationId xmlns:p14="http://schemas.microsoft.com/office/powerpoint/2010/main" val="2747027683"/>
+        <p14:creationId xmlns:p14="http://schemas.microsoft.com/office/powerpoint/2010/main" val="3506711306"/>
       </p:ext>
     </p:extLst>
   </p:cSld>
@@ -631,10 +613,7 @@
           <a:bodyPr/>
           <a:lstStyle/>
           <a:p>
-            <a:r>
-              <a:rPr lang="en-US" dirty="0"/>
-              <a:t>Someone might ask. Well, what’s the relationship between DNN and digital watermarking </a:t>
-            </a:r>
+            <a:endParaRPr lang="en-US" dirty="0"/>
           </a:p>
         </p:txBody>
       </p:sp>
@@ -655,7 +634,7 @@
           <a:p>
             <a:fld id="{C55C3CF3-A201-43B0-8BD5-438B3A5892EA}" type="slidenum">
               <a:rPr lang="en-US" smtClean="0"/>
-              <a:t>4</a:t>
+              <a:t>3</a:t>
             </a:fld>
             <a:endParaRPr lang="en-US"/>
           </a:p>
@@ -664,7 +643,7 @@
     </p:spTree>
     <p:extLst>
       <p:ext uri="{BB962C8B-B14F-4D97-AF65-F5344CB8AC3E}">
-        <p14:creationId xmlns:p14="http://schemas.microsoft.com/office/powerpoint/2010/main" val="3802761573"/>
+        <p14:creationId xmlns:p14="http://schemas.microsoft.com/office/powerpoint/2010/main" val="2747027683"/>
       </p:ext>
     </p:extLst>
   </p:cSld>
@@ -720,8 +699,92 @@
           <a:p>
             <a:r>
               <a:rPr lang="en-US" dirty="0"/>
-              <a:t>Watermark is a hidden information in an image</a:t>
-            </a:r>
+              <a:t>Someone might ask. Well, what’s the relationship between DNN and digital watermarking </a:t>
+            </a:r>
+          </a:p>
+        </p:txBody>
+      </p:sp>
+      <p:sp>
+        <p:nvSpPr>
+          <p:cNvPr id="4" name="Slide Number Placeholder 3"/>
+          <p:cNvSpPr>
+            <a:spLocks noGrp="1"/>
+          </p:cNvSpPr>
+          <p:nvPr>
+            <p:ph type="sldNum" sz="quarter" idx="5"/>
+          </p:nvPr>
+        </p:nvSpPr>
+        <p:spPr/>
+        <p:txBody>
+          <a:bodyPr/>
+          <a:lstStyle/>
+          <a:p>
+            <a:fld id="{C55C3CF3-A201-43B0-8BD5-438B3A5892EA}" type="slidenum">
+              <a:rPr lang="en-US" smtClean="0"/>
+              <a:t>4</a:t>
+            </a:fld>
+            <a:endParaRPr lang="en-US"/>
+          </a:p>
+        </p:txBody>
+      </p:sp>
+    </p:spTree>
+    <p:extLst>
+      <p:ext uri="{BB962C8B-B14F-4D97-AF65-F5344CB8AC3E}">
+        <p14:creationId xmlns:p14="http://schemas.microsoft.com/office/powerpoint/2010/main" val="3802761573"/>
+      </p:ext>
+    </p:extLst>
+  </p:cSld>
+  <p:clrMapOvr>
+    <a:masterClrMapping/>
+  </p:clrMapOvr>
+</p:notes>
+</file>
+
+<file path=ppt/notesSlides/notesSlide4.xml><?xml version="1.0" encoding="utf-8"?>
+<p:notes xmlns:a="http://schemas.openxmlformats.org/drawingml/2006/main" xmlns:r="http://schemas.openxmlformats.org/officeDocument/2006/relationships" xmlns:p="http://schemas.openxmlformats.org/presentationml/2006/main">
+  <p:cSld>
+    <p:spTree>
+      <p:nvGrpSpPr>
+        <p:cNvPr id="1" name=""/>
+        <p:cNvGrpSpPr/>
+        <p:nvPr/>
+      </p:nvGrpSpPr>
+      <p:grpSpPr>
+        <a:xfrm>
+          <a:off x="0" y="0"/>
+          <a:ext cx="0" cy="0"/>
+          <a:chOff x="0" y="0"/>
+          <a:chExt cx="0" cy="0"/>
+        </a:xfrm>
+      </p:grpSpPr>
+      <p:sp>
+        <p:nvSpPr>
+          <p:cNvPr id="2" name="Slide Image Placeholder 1"/>
+          <p:cNvSpPr>
+            <a:spLocks noGrp="1" noRot="1" noChangeAspect="1"/>
+          </p:cNvSpPr>
+          <p:nvPr>
+            <p:ph type="sldImg"/>
+          </p:nvPr>
+        </p:nvSpPr>
+        <p:spPr/>
+      </p:sp>
+      <p:sp>
+        <p:nvSpPr>
+          <p:cNvPr id="3" name="Notes Placeholder 2"/>
+          <p:cNvSpPr>
+            <a:spLocks noGrp="1"/>
+          </p:cNvSpPr>
+          <p:nvPr>
+            <p:ph type="body" idx="1"/>
+          </p:nvPr>
+        </p:nvSpPr>
+        <p:spPr/>
+        <p:txBody>
+          <a:bodyPr/>
+          <a:lstStyle/>
+          <a:p>
+            <a:endParaRPr lang="en-US" dirty="0"/>
           </a:p>
         </p:txBody>
       </p:sp>
@@ -906,9 +969,9 @@
           <a:bodyPr/>
           <a:lstStyle/>
           <a:p>
-            <a:fld id="{28859DA4-DB3F-4768-A656-A65B6B656324}" type="datetime1">
+            <a:fld id="{D4A55150-23E0-44A5-80D9-C1DE6518BDCE}" type="datetime1">
               <a:rPr lang="en-US" smtClean="0"/>
-              <a:t>6/20/2022</a:t>
+              <a:t>6/21/2022</a:t>
             </a:fld>
             <a:endParaRPr lang="en-US"/>
           </a:p>
@@ -1104,9 +1167,9 @@
           <a:bodyPr/>
           <a:lstStyle/>
           <a:p>
-            <a:fld id="{CBA08CD0-C821-4F4F-9FFA-232B9AEE30B0}" type="datetime1">
+            <a:fld id="{1FEABBAB-0524-45F7-94A1-6C913CB4BC69}" type="datetime1">
               <a:rPr lang="en-US" smtClean="0"/>
-              <a:t>6/20/2022</a:t>
+              <a:t>6/21/2022</a:t>
             </a:fld>
             <a:endParaRPr lang="en-US"/>
           </a:p>
@@ -1312,9 +1375,9 @@
           <a:bodyPr/>
           <a:lstStyle/>
           <a:p>
-            <a:fld id="{81DEE415-8716-4EC9-A804-B38BF81237E9}" type="datetime1">
+            <a:fld id="{E28CACFE-2A9B-45C1-BB2D-E49E84310597}" type="datetime1">
               <a:rPr lang="en-US" smtClean="0"/>
-              <a:t>6/20/2022</a:t>
+              <a:t>6/21/2022</a:t>
             </a:fld>
             <a:endParaRPr lang="en-US"/>
           </a:p>
@@ -1510,9 +1573,9 @@
           <a:bodyPr/>
           <a:lstStyle/>
           <a:p>
-            <a:fld id="{CABBB983-8036-4B7C-A1DD-EF893C8345AB}" type="datetime1">
+            <a:fld id="{D016809A-61CE-46CE-A118-2A615F82F7AE}" type="datetime1">
               <a:rPr lang="en-US" smtClean="0"/>
-              <a:t>6/20/2022</a:t>
+              <a:t>6/21/2022</a:t>
             </a:fld>
             <a:endParaRPr lang="en-US"/>
           </a:p>
@@ -1785,9 +1848,9 @@
           <a:bodyPr/>
           <a:lstStyle/>
           <a:p>
-            <a:fld id="{F84CFDCB-7E7F-4A1C-BD79-31155C5B9F07}" type="datetime1">
+            <a:fld id="{061BCA7B-2887-4FB8-A3D8-DC3F3C477CDC}" type="datetime1">
               <a:rPr lang="en-US" smtClean="0"/>
-              <a:t>6/20/2022</a:t>
+              <a:t>6/21/2022</a:t>
             </a:fld>
             <a:endParaRPr lang="en-US"/>
           </a:p>
@@ -2050,9 +2113,9 @@
           <a:bodyPr/>
           <a:lstStyle/>
           <a:p>
-            <a:fld id="{F8538643-F378-4269-97FB-49D75DE4E253}" type="datetime1">
+            <a:fld id="{06C9A0E0-A963-4222-8915-18E5928A1633}" type="datetime1">
               <a:rPr lang="en-US" smtClean="0"/>
-              <a:t>6/20/2022</a:t>
+              <a:t>6/21/2022</a:t>
             </a:fld>
             <a:endParaRPr lang="en-US"/>
           </a:p>
@@ -2462,9 +2525,9 @@
           <a:bodyPr/>
           <a:lstStyle/>
           <a:p>
-            <a:fld id="{E0710BC8-8F8B-4E82-844D-F2FBDAE9C7CA}" type="datetime1">
+            <a:fld id="{D4F36F84-9033-4768-94C7-C87D34F4D333}" type="datetime1">
               <a:rPr lang="en-US" smtClean="0"/>
-              <a:t>6/20/2022</a:t>
+              <a:t>6/21/2022</a:t>
             </a:fld>
             <a:endParaRPr lang="en-US"/>
           </a:p>
@@ -2603,9 +2666,9 @@
           <a:bodyPr/>
           <a:lstStyle/>
           <a:p>
-            <a:fld id="{B8F53648-6ED5-4AB3-98C2-41711976C00B}" type="datetime1">
+            <a:fld id="{87F18A4B-9571-4A98-8161-22E70038D8FF}" type="datetime1">
               <a:rPr lang="en-US" smtClean="0"/>
-              <a:t>6/20/2022</a:t>
+              <a:t>6/21/2022</a:t>
             </a:fld>
             <a:endParaRPr lang="en-US"/>
           </a:p>
@@ -2716,9 +2779,9 @@
           <a:bodyPr/>
           <a:lstStyle/>
           <a:p>
-            <a:fld id="{A95AAD7D-D133-44D8-AD8A-C2A71E141708}" type="datetime1">
+            <a:fld id="{BFE0C120-5B76-4BCC-852E-E19164FBEFEF}" type="datetime1">
               <a:rPr lang="en-US" smtClean="0"/>
-              <a:t>6/20/2022</a:t>
+              <a:t>6/21/2022</a:t>
             </a:fld>
             <a:endParaRPr lang="en-US"/>
           </a:p>
@@ -3027,9 +3090,9 @@
           <a:bodyPr/>
           <a:lstStyle/>
           <a:p>
-            <a:fld id="{7D405F00-DE2C-43EF-BA32-8D7E9A0E65E9}" type="datetime1">
+            <a:fld id="{094329B7-2026-446F-8554-C7472A5BF3C3}" type="datetime1">
               <a:rPr lang="en-US" smtClean="0"/>
-              <a:t>6/20/2022</a:t>
+              <a:t>6/21/2022</a:t>
             </a:fld>
             <a:endParaRPr lang="en-US"/>
           </a:p>
@@ -3315,9 +3378,9 @@
           <a:bodyPr/>
           <a:lstStyle/>
           <a:p>
-            <a:fld id="{139EC959-1BD9-4CC7-B4BB-05C67C0F43AB}" type="datetime1">
+            <a:fld id="{A94F5B14-6301-48AA-9F05-8DC564A10BB4}" type="datetime1">
               <a:rPr lang="en-US" smtClean="0"/>
-              <a:t>6/20/2022</a:t>
+              <a:t>6/21/2022</a:t>
             </a:fld>
             <a:endParaRPr lang="en-US"/>
           </a:p>
@@ -3556,9 +3619,9 @@
             </a:lvl1pPr>
           </a:lstStyle>
           <a:p>
-            <a:fld id="{49D0319B-8D07-402D-81E4-020CA95A6E9A}" type="datetime1">
+            <a:fld id="{CE19524E-A1DB-473F-ADDD-780C05A68314}" type="datetime1">
               <a:rPr lang="en-US" smtClean="0"/>
-              <a:t>6/20/2022</a:t>
+              <a:t>6/21/2022</a:t>
             </a:fld>
             <a:endParaRPr lang="en-US"/>
           </a:p>
@@ -7080,6 +7143,9 @@
             </a:lvl9pPr>
           </a:lstStyle>
           <a:p>
+            <a:pPr marL="0" indent="0">
+              <a:buNone/>
+            </a:pPr>
             <a:r>
               <a:rPr lang="en-US" dirty="0"/>
               <a:t>Watermarks serve to protect content and to claim ownership of an asset. Without watermarks, valuable digital assets are vulnerable to content theft or unauthorized use and distributions. </a:t>
@@ -7319,7 +7385,7 @@
         </p:blipFill>
         <p:spPr>
           <a:xfrm>
-            <a:off x="5896686" y="2415574"/>
+            <a:off x="4967772" y="2415574"/>
             <a:ext cx="6030167" cy="4305901"/>
           </a:xfrm>
           <a:prstGeom prst="rect">
